--- a/other/trial-structure.pptx
+++ b/other/trial-structure.pptx
@@ -259,7 +259,7 @@
           <a:p>
             <a:fld id="{DB2F63FD-4BE1-1D49-BD1E-41F43D9C0931}" type="datetimeFigureOut">
               <a:rPr lang="de-DE" smtClean="0"/>
-              <a:t>18.08.23</a:t>
+              <a:t>02.09.23</a:t>
             </a:fld>
             <a:endParaRPr lang="de-DE"/>
           </a:p>
@@ -457,7 +457,7 @@
           <a:p>
             <a:fld id="{DB2F63FD-4BE1-1D49-BD1E-41F43D9C0931}" type="datetimeFigureOut">
               <a:rPr lang="de-DE" smtClean="0"/>
-              <a:t>18.08.23</a:t>
+              <a:t>02.09.23</a:t>
             </a:fld>
             <a:endParaRPr lang="de-DE"/>
           </a:p>
@@ -665,7 +665,7 @@
           <a:p>
             <a:fld id="{DB2F63FD-4BE1-1D49-BD1E-41F43D9C0931}" type="datetimeFigureOut">
               <a:rPr lang="de-DE" smtClean="0"/>
-              <a:t>18.08.23</a:t>
+              <a:t>02.09.23</a:t>
             </a:fld>
             <a:endParaRPr lang="de-DE"/>
           </a:p>
@@ -863,7 +863,7 @@
           <a:p>
             <a:fld id="{DB2F63FD-4BE1-1D49-BD1E-41F43D9C0931}" type="datetimeFigureOut">
               <a:rPr lang="de-DE" smtClean="0"/>
-              <a:t>18.08.23</a:t>
+              <a:t>02.09.23</a:t>
             </a:fld>
             <a:endParaRPr lang="de-DE"/>
           </a:p>
@@ -1138,7 +1138,7 @@
           <a:p>
             <a:fld id="{DB2F63FD-4BE1-1D49-BD1E-41F43D9C0931}" type="datetimeFigureOut">
               <a:rPr lang="de-DE" smtClean="0"/>
-              <a:t>18.08.23</a:t>
+              <a:t>02.09.23</a:t>
             </a:fld>
             <a:endParaRPr lang="de-DE"/>
           </a:p>
@@ -1403,7 +1403,7 @@
           <a:p>
             <a:fld id="{DB2F63FD-4BE1-1D49-BD1E-41F43D9C0931}" type="datetimeFigureOut">
               <a:rPr lang="de-DE" smtClean="0"/>
-              <a:t>18.08.23</a:t>
+              <a:t>02.09.23</a:t>
             </a:fld>
             <a:endParaRPr lang="de-DE"/>
           </a:p>
@@ -1815,7 +1815,7 @@
           <a:p>
             <a:fld id="{DB2F63FD-4BE1-1D49-BD1E-41F43D9C0931}" type="datetimeFigureOut">
               <a:rPr lang="de-DE" smtClean="0"/>
-              <a:t>18.08.23</a:t>
+              <a:t>02.09.23</a:t>
             </a:fld>
             <a:endParaRPr lang="de-DE"/>
           </a:p>
@@ -1956,7 +1956,7 @@
           <a:p>
             <a:fld id="{DB2F63FD-4BE1-1D49-BD1E-41F43D9C0931}" type="datetimeFigureOut">
               <a:rPr lang="de-DE" smtClean="0"/>
-              <a:t>18.08.23</a:t>
+              <a:t>02.09.23</a:t>
             </a:fld>
             <a:endParaRPr lang="de-DE"/>
           </a:p>
@@ -2069,7 +2069,7 @@
           <a:p>
             <a:fld id="{DB2F63FD-4BE1-1D49-BD1E-41F43D9C0931}" type="datetimeFigureOut">
               <a:rPr lang="de-DE" smtClean="0"/>
-              <a:t>18.08.23</a:t>
+              <a:t>02.09.23</a:t>
             </a:fld>
             <a:endParaRPr lang="de-DE"/>
           </a:p>
@@ -2380,7 +2380,7 @@
           <a:p>
             <a:fld id="{DB2F63FD-4BE1-1D49-BD1E-41F43D9C0931}" type="datetimeFigureOut">
               <a:rPr lang="de-DE" smtClean="0"/>
-              <a:t>18.08.23</a:t>
+              <a:t>02.09.23</a:t>
             </a:fld>
             <a:endParaRPr lang="de-DE"/>
           </a:p>
@@ -2668,7 +2668,7 @@
           <a:p>
             <a:fld id="{DB2F63FD-4BE1-1D49-BD1E-41F43D9C0931}" type="datetimeFigureOut">
               <a:rPr lang="de-DE" smtClean="0"/>
-              <a:t>18.08.23</a:t>
+              <a:t>02.09.23</a:t>
             </a:fld>
             <a:endParaRPr lang="de-DE"/>
           </a:p>
@@ -2909,7 +2909,7 @@
           <a:p>
             <a:fld id="{DB2F63FD-4BE1-1D49-BD1E-41F43D9C0931}" type="datetimeFigureOut">
               <a:rPr lang="de-DE" smtClean="0"/>
-              <a:t>18.08.23</a:t>
+              <a:t>02.09.23</a:t>
             </a:fld>
             <a:endParaRPr lang="de-DE"/>
           </a:p>
@@ -3336,10 +3336,10 @@
       </p:grpSpPr>
       <p:grpSp>
         <p:nvGrpSpPr>
-          <p:cNvPr id="23" name="Gruppieren 22">
-            <a:extLst>
-              <a:ext uri="{FF2B5EF4-FFF2-40B4-BE49-F238E27FC236}">
-                <a16:creationId xmlns:a16="http://schemas.microsoft.com/office/drawing/2014/main" id="{A93D49C3-FDE9-4635-F3F7-5A5EAC91C8A2}"/>
+          <p:cNvPr id="9" name="Gruppieren 8">
+            <a:extLst>
+              <a:ext uri="{FF2B5EF4-FFF2-40B4-BE49-F238E27FC236}">
+                <a16:creationId xmlns:a16="http://schemas.microsoft.com/office/drawing/2014/main" id="{17721C27-785E-7F7F-09AF-C71A87FEF9BD}"/>
               </a:ext>
             </a:extLst>
           </p:cNvPr>
@@ -3348,12 +3348,66 @@
         </p:nvGrpSpPr>
         <p:grpSpPr>
           <a:xfrm>
-            <a:off x="2168917" y="704789"/>
-            <a:ext cx="7868593" cy="5448421"/>
-            <a:chOff x="2168917" y="704789"/>
-            <a:chExt cx="7868593" cy="5448421"/>
+            <a:off x="2115264" y="513000"/>
+            <a:ext cx="7961473" cy="5832000"/>
+            <a:chOff x="2068824" y="441434"/>
+            <a:chExt cx="7961473" cy="5832000"/>
           </a:xfrm>
         </p:grpSpPr>
+        <p:sp>
+          <p:nvSpPr>
+            <p:cNvPr id="2" name="Rechteck 1">
+              <a:extLst>
+                <a:ext uri="{FF2B5EF4-FFF2-40B4-BE49-F238E27FC236}">
+                  <a16:creationId xmlns:a16="http://schemas.microsoft.com/office/drawing/2014/main" id="{44BF337C-F2E2-3D12-32BC-9CD1A9ED51DF}"/>
+                </a:ext>
+              </a:extLst>
+            </p:cNvPr>
+            <p:cNvSpPr/>
+            <p:nvPr/>
+          </p:nvSpPr>
+          <p:spPr>
+            <a:xfrm>
+              <a:off x="2068824" y="441434"/>
+              <a:ext cx="7920000" cy="5832000"/>
+            </a:xfrm>
+            <a:prstGeom prst="rect">
+              <a:avLst/>
+            </a:prstGeom>
+            <a:solidFill>
+              <a:schemeClr val="bg1"/>
+            </a:solidFill>
+            <a:ln>
+              <a:solidFill>
+                <a:schemeClr val="bg1"/>
+              </a:solidFill>
+            </a:ln>
+          </p:spPr>
+          <p:style>
+            <a:lnRef idx="2">
+              <a:schemeClr val="accent1">
+                <a:shade val="15000"/>
+              </a:schemeClr>
+            </a:lnRef>
+            <a:fillRef idx="1">
+              <a:schemeClr val="accent1"/>
+            </a:fillRef>
+            <a:effectRef idx="0">
+              <a:schemeClr val="accent1"/>
+            </a:effectRef>
+            <a:fontRef idx="minor">
+              <a:schemeClr val="lt1"/>
+            </a:fontRef>
+          </p:style>
+          <p:txBody>
+            <a:bodyPr rtlCol="0" anchor="ctr"/>
+            <a:lstStyle/>
+            <a:p>
+              <a:pPr algn="ctr"/>
+              <a:endParaRPr lang="de-DE"/>
+            </a:p>
+          </p:txBody>
+        </p:sp>
         <p:cxnSp>
           <p:nvCxnSpPr>
             <p:cNvPr id="3" name="Gerade Verbindung 2">
@@ -3370,7 +3424,7 @@
           </p:nvCxnSpPr>
           <p:spPr>
             <a:xfrm>
-              <a:off x="2168917" y="2705377"/>
+              <a:off x="2161704" y="2705378"/>
               <a:ext cx="3594740" cy="3447833"/>
             </a:xfrm>
             <a:prstGeom prst="line">
@@ -3419,7 +3473,7 @@
           </p:blipFill>
           <p:spPr>
             <a:xfrm>
-              <a:off x="2530796" y="704789"/>
+              <a:off x="2523583" y="704790"/>
               <a:ext cx="2870983" cy="1855837"/>
             </a:xfrm>
             <a:prstGeom prst="rect">
@@ -3465,7 +3519,7 @@
           </p:blipFill>
           <p:spPr>
             <a:xfrm>
-              <a:off x="3728615" y="1853182"/>
+              <a:off x="3721402" y="1853183"/>
               <a:ext cx="2870983" cy="1855837"/>
             </a:xfrm>
             <a:prstGeom prst="rect">
@@ -3514,7 +3568,7 @@
           </p:blipFill>
           <p:spPr>
             <a:xfrm>
-              <a:off x="4926435" y="3001575"/>
+              <a:off x="4919222" y="3001576"/>
               <a:ext cx="2870983" cy="1855837"/>
             </a:xfrm>
             <a:prstGeom prst="rect">
@@ -3560,7 +3614,7 @@
           </p:blipFill>
           <p:spPr>
             <a:xfrm>
-              <a:off x="6124254" y="4149968"/>
+              <a:off x="6117041" y="4149969"/>
               <a:ext cx="2870983" cy="1855837"/>
             </a:xfrm>
             <a:prstGeom prst="rect">
@@ -3599,7 +3653,7 @@
           </p:nvSpPr>
           <p:spPr>
             <a:xfrm>
-              <a:off x="5401779" y="704789"/>
+              <a:off x="5394566" y="704790"/>
               <a:ext cx="1883849" cy="584775"/>
             </a:xfrm>
             <a:prstGeom prst="rect">
@@ -3681,7 +3735,7 @@
           </p:nvSpPr>
           <p:spPr>
             <a:xfrm>
-              <a:off x="6599598" y="1853182"/>
+              <a:off x="6592385" y="1853183"/>
               <a:ext cx="1452642" cy="584775"/>
             </a:xfrm>
             <a:prstGeom prst="rect">
@@ -3763,7 +3817,7 @@
           </p:nvSpPr>
           <p:spPr>
             <a:xfrm>
-              <a:off x="7797417" y="3001575"/>
+              <a:off x="7790204" y="3001576"/>
               <a:ext cx="1701107" cy="584775"/>
             </a:xfrm>
             <a:prstGeom prst="rect">
@@ -3845,7 +3899,7 @@
           </p:nvSpPr>
           <p:spPr>
             <a:xfrm>
-              <a:off x="8995237" y="4149968"/>
+              <a:off x="8988024" y="4149969"/>
               <a:ext cx="1042273" cy="584775"/>
             </a:xfrm>
             <a:prstGeom prst="rect">
